--- a/final.pptx
+++ b/final.pptx
@@ -14,7 +14,9 @@
     <p:sldId id="263" r:id="rId8"/>
     <p:sldId id="264" r:id="rId9"/>
     <p:sldId id="265" r:id="rId10"/>
-    <p:sldId id="266" r:id="rId11"/>
+    <p:sldId id="267" r:id="rId11"/>
+    <p:sldId id="268" r:id="rId12"/>
+    <p:sldId id="266" r:id="rId13"/>
   </p:sldIdLst>
   <p:sldSz cx="12192000" cy="6858000"/>
   <p:notesSz cx="6858000" cy="9144000"/>
@@ -20530,6 +20532,286 @@
 </p:sld>
 </file>
 
+<file path=ppt/slides/slide10.xml><?xml version="1.0" encoding="utf-8"?>
+<p:sld xmlns:a="http://schemas.openxmlformats.org/drawingml/2006/main" xmlns:r="http://schemas.openxmlformats.org/officeDocument/2006/relationships" xmlns:p="http://schemas.openxmlformats.org/presentationml/2006/main">
+  <p:cSld>
+    <p:spTree>
+      <p:nvGrpSpPr>
+        <p:cNvPr id="1" name=""/>
+        <p:cNvGrpSpPr/>
+        <p:nvPr/>
+      </p:nvGrpSpPr>
+      <p:grpSpPr>
+        <a:xfrm>
+          <a:off x="0" y="0"/>
+          <a:ext cx="0" cy="0"/>
+          <a:chOff x="0" y="0"/>
+          <a:chExt cx="0" cy="0"/>
+        </a:xfrm>
+      </p:grpSpPr>
+      <p:sp>
+        <p:nvSpPr>
+          <p:cNvPr id="4" name="מציין מיקום טקסט 3"/>
+          <p:cNvSpPr>
+            <a:spLocks noGrp="1"/>
+          </p:cNvSpPr>
+          <p:nvPr>
+            <p:ph type="body" sz="quarter" idx="10"/>
+          </p:nvPr>
+        </p:nvSpPr>
+        <p:spPr/>
+        <p:txBody>
+          <a:bodyPr/>
+          <a:lstStyle/>
+          <a:p>
+            <a:r>
+              <a:rPr lang="en-US" dirty="0" err="1" smtClean="0"/>
+              <a:t>tSNE</a:t>
+            </a:r>
+            <a:r>
+              <a:rPr lang="en-US" dirty="0" smtClean="0"/>
+              <a:t> on the reduced dataset</a:t>
+            </a:r>
+            <a:endParaRPr lang="he-IL" dirty="0"/>
+          </a:p>
+        </p:txBody>
+      </p:sp>
+      <p:pic>
+        <p:nvPicPr>
+          <p:cNvPr id="5" name="תמונה 4"/>
+          <p:cNvPicPr>
+            <a:picLocks noChangeAspect="1"/>
+          </p:cNvPicPr>
+          <p:nvPr/>
+        </p:nvPicPr>
+        <p:blipFill rotWithShape="1">
+          <a:blip r:embed="rId2">
+            <a:extLst>
+              <a:ext uri="{28A0092B-C50C-407E-A947-70E740481C1C}">
+                <a14:useLocalDpi xmlns:a14="http://schemas.microsoft.com/office/drawing/2010/main" val="0"/>
+              </a:ext>
+            </a:extLst>
+          </a:blip>
+          <a:srcRect l="7560" t="9090" r="9198" b="5697"/>
+          <a:stretch/>
+        </p:blipFill>
+        <p:spPr>
+          <a:xfrm>
+            <a:off x="4970650" y="1288473"/>
+            <a:ext cx="6926076" cy="4422372"/>
+          </a:xfrm>
+          <a:prstGeom prst="rect">
+            <a:avLst/>
+          </a:prstGeom>
+        </p:spPr>
+      </p:pic>
+      <p:sp>
+        <p:nvSpPr>
+          <p:cNvPr id="6" name="TextBox 5">
+            <a:extLst>
+              <a:ext uri="{FF2B5EF4-FFF2-40B4-BE49-F238E27FC236}">
+                <a16:creationId xmlns:a16="http://schemas.microsoft.com/office/drawing/2014/main" id="{94153E7C-D3FA-44C0-B2B5-C2AF9064CA2C}"/>
+              </a:ext>
+            </a:extLst>
+          </p:cNvPr>
+          <p:cNvSpPr txBox="1"/>
+          <p:nvPr/>
+        </p:nvSpPr>
+        <p:spPr>
+          <a:xfrm>
+            <a:off x="72017" y="1221697"/>
+            <a:ext cx="5142452" cy="2554545"/>
+          </a:xfrm>
+          <a:prstGeom prst="rect">
+            <a:avLst/>
+          </a:prstGeom>
+          <a:noFill/>
+        </p:spPr>
+        <p:txBody>
+          <a:bodyPr wrap="square" rtlCol="0">
+            <a:spAutoFit/>
+          </a:bodyPr>
+          <a:lstStyle/>
+          <a:p>
+            <a:endParaRPr lang="en-US" sz="1600" dirty="0"/>
+          </a:p>
+          <a:p>
+            <a:pPr marL="285750" indent="-285750">
+              <a:lnSpc>
+                <a:spcPct val="150000"/>
+              </a:lnSpc>
+              <a:buFont typeface="Arial" panose="020B0604020202020204" pitchFamily="34" charset="0"/>
+              <a:buChar char="•"/>
+            </a:pPr>
+            <a:r>
+              <a:rPr lang="en-US" sz="1600" dirty="0" smtClean="0"/>
+              <a:t>Dataset was reduced to 30 features and we can see that the data now is less obviously separated</a:t>
+            </a:r>
+          </a:p>
+          <a:p>
+            <a:pPr marL="285750" indent="-285750">
+              <a:lnSpc>
+                <a:spcPct val="150000"/>
+              </a:lnSpc>
+              <a:buFont typeface="Arial" panose="020B0604020202020204" pitchFamily="34" charset="0"/>
+              <a:buChar char="•"/>
+            </a:pPr>
+            <a:endParaRPr lang="en-US" sz="1600" dirty="0"/>
+          </a:p>
+          <a:p>
+            <a:pPr marL="285750" indent="-285750">
+              <a:lnSpc>
+                <a:spcPct val="150000"/>
+              </a:lnSpc>
+              <a:buFont typeface="Arial" panose="020B0604020202020204" pitchFamily="34" charset="0"/>
+              <a:buChar char="•"/>
+            </a:pPr>
+            <a:r>
+              <a:rPr lang="en-US" sz="1600" dirty="0" smtClean="0"/>
+              <a:t>There are some nice clusters around Liver diseases (Hepatitis, Chronic cholestasis and Jaundice)</a:t>
+            </a:r>
+          </a:p>
+          <a:p>
+            <a:pPr>
+              <a:lnSpc>
+                <a:spcPct val="150000"/>
+              </a:lnSpc>
+            </a:pPr>
+            <a:endParaRPr lang="en-US" sz="1600" dirty="0"/>
+          </a:p>
+        </p:txBody>
+      </p:sp>
+    </p:spTree>
+    <p:extLst>
+      <p:ext uri="{BB962C8B-B14F-4D97-AF65-F5344CB8AC3E}">
+        <p14:creationId xmlns:p14="http://schemas.microsoft.com/office/powerpoint/2010/main" val="2793964737"/>
+      </p:ext>
+    </p:extLst>
+  </p:cSld>
+  <p:clrMapOvr>
+    <a:masterClrMapping/>
+  </p:clrMapOvr>
+</p:sld>
+</file>
+
+<file path=ppt/slides/slide11.xml><?xml version="1.0" encoding="utf-8"?>
+<p:sld xmlns:a="http://schemas.openxmlformats.org/drawingml/2006/main" xmlns:r="http://schemas.openxmlformats.org/officeDocument/2006/relationships" xmlns:p="http://schemas.openxmlformats.org/presentationml/2006/main">
+  <p:cSld>
+    <p:spTree>
+      <p:nvGrpSpPr>
+        <p:cNvPr id="1" name=""/>
+        <p:cNvGrpSpPr/>
+        <p:nvPr/>
+      </p:nvGrpSpPr>
+      <p:grpSpPr>
+        <a:xfrm>
+          <a:off x="0" y="0"/>
+          <a:ext cx="0" cy="0"/>
+          <a:chOff x="0" y="0"/>
+          <a:chExt cx="0" cy="0"/>
+        </a:xfrm>
+      </p:grpSpPr>
+      <p:sp>
+        <p:nvSpPr>
+          <p:cNvPr id="2" name="Text Placeholder 1">
+            <a:extLst>
+              <a:ext uri="{FF2B5EF4-FFF2-40B4-BE49-F238E27FC236}">
+                <a16:creationId xmlns:a16="http://schemas.microsoft.com/office/drawing/2014/main" id="{D6144515-701C-4F84-B756-7F3DB528631B}"/>
+              </a:ext>
+            </a:extLst>
+          </p:cNvPr>
+          <p:cNvSpPr>
+            <a:spLocks noGrp="1"/>
+          </p:cNvSpPr>
+          <p:nvPr>
+            <p:ph type="body" sz="quarter" idx="10"/>
+          </p:nvPr>
+        </p:nvSpPr>
+        <p:spPr/>
+        <p:txBody>
+          <a:bodyPr/>
+          <a:lstStyle/>
+          <a:p>
+            <a:r>
+              <a:rPr lang="en-US" dirty="0"/>
+              <a:t>Introducing </a:t>
+            </a:r>
+            <a:r>
+              <a:rPr lang="en-US" dirty="0" smtClean="0"/>
+              <a:t>LDA (Still under review) </a:t>
+            </a:r>
+            <a:endParaRPr lang="en-GB" dirty="0"/>
+          </a:p>
+        </p:txBody>
+      </p:sp>
+      <p:sp>
+        <p:nvSpPr>
+          <p:cNvPr id="3" name="TextBox 2">
+            <a:extLst>
+              <a:ext uri="{FF2B5EF4-FFF2-40B4-BE49-F238E27FC236}">
+                <a16:creationId xmlns:a16="http://schemas.microsoft.com/office/drawing/2014/main" id="{7AC5E03B-6EFC-4205-A603-AF22D0D2C368}"/>
+              </a:ext>
+            </a:extLst>
+          </p:cNvPr>
+          <p:cNvSpPr txBox="1"/>
+          <p:nvPr/>
+        </p:nvSpPr>
+        <p:spPr>
+          <a:xfrm>
+            <a:off x="964734" y="1249960"/>
+            <a:ext cx="10435905" cy="923330"/>
+          </a:xfrm>
+          <a:prstGeom prst="rect">
+            <a:avLst/>
+          </a:prstGeom>
+          <a:noFill/>
+        </p:spPr>
+        <p:txBody>
+          <a:bodyPr wrap="square" rtlCol="0">
+            <a:spAutoFit/>
+          </a:bodyPr>
+          <a:lstStyle/>
+          <a:p>
+            <a:r>
+              <a:rPr lang="en-US" dirty="0"/>
+              <a:t>Our goal is to be able to diagnose a patient by analyzing his self reported symptoms.</a:t>
+            </a:r>
+          </a:p>
+          <a:p>
+            <a:r>
+              <a:rPr lang="en-US" dirty="0"/>
+              <a:t>For that we will be using LDA topic modeling in order to process a patients reporting into topics.</a:t>
+            </a:r>
+          </a:p>
+          <a:p>
+            <a:r>
+              <a:rPr lang="en-US" dirty="0"/>
+              <a:t>This will allow us to explore similarities between the different diseases and </a:t>
+            </a:r>
+            <a:endParaRPr lang="en-GB" dirty="0"/>
+          </a:p>
+        </p:txBody>
+      </p:sp>
+    </p:spTree>
+    <p:extLst>
+      <p:ext uri="{BB962C8B-B14F-4D97-AF65-F5344CB8AC3E}">
+        <p14:creationId xmlns:p14="http://schemas.microsoft.com/office/powerpoint/2010/main" val="1426799054"/>
+      </p:ext>
+    </p:extLst>
+  </p:cSld>
+  <p:clrMapOvr>
+    <a:masterClrMapping/>
+  </p:clrMapOvr>
+  <p:timing>
+    <p:tnLst>
+      <p:par>
+        <p:cTn id="1" dur="indefinite" restart="never" nodeType="tmRoot"/>
+      </p:par>
+    </p:tnLst>
+  </p:timing>
+</p:sld>
+</file>
+
 <file path=ppt/slides/slide2.xml><?xml version="1.0" encoding="utf-8"?>
 <p:sld xmlns:a="http://schemas.openxmlformats.org/drawingml/2006/main" xmlns:r="http://schemas.openxmlformats.org/officeDocument/2006/relationships" xmlns:p="http://schemas.openxmlformats.org/presentationml/2006/main">
   <p:cSld>
@@ -50902,7 +51184,7 @@
         <p:spPr>
           <a:xfrm>
             <a:off x="-2797" y="843093"/>
-            <a:ext cx="5142452" cy="3247556"/>
+            <a:ext cx="5142452" cy="3293209"/>
           </a:xfrm>
           <a:prstGeom prst="rect">
             <a:avLst/>
@@ -50927,15 +51209,31 @@
             </a:pPr>
             <a:r>
               <a:rPr lang="en-US" sz="1600" dirty="0"/>
-              <a:t>t-SNE reduction to 2 components yields phenomenal results with </a:t>
+              <a:t>t-SNE reduction to 2 components yields </a:t>
+            </a:r>
+            <a:r>
+              <a:rPr lang="en-US" sz="1600" dirty="0" smtClean="0"/>
+              <a:t>perfect results </a:t>
+            </a:r>
+            <a:r>
+              <a:rPr lang="en-US" sz="1600" dirty="0"/>
+              <a:t>with </a:t>
             </a:r>
             <a:r>
               <a:rPr lang="en-US" sz="1600" dirty="0" err="1"/>
-              <a:t>noticable</a:t>
+              <a:t>distinctable</a:t>
             </a:r>
             <a:r>
               <a:rPr lang="en-US" sz="1600" dirty="0"/>
-              <a:t> separation between the different indications</a:t>
+              <a:t> </a:t>
+            </a:r>
+            <a:r>
+              <a:rPr lang="en-US" sz="1600" dirty="0" smtClean="0"/>
+              <a:t>separation between </a:t>
+            </a:r>
+            <a:r>
+              <a:rPr lang="en-US" sz="1600" dirty="0"/>
+              <a:t>the different indications</a:t>
             </a:r>
           </a:p>
           <a:p>
@@ -50956,8 +51254,28 @@
             </a:pPr>
             <a:r>
               <a:rPr lang="en-US" sz="1600" dirty="0"/>
-              <a:t>This result is encouraging suggesting that the high dimensional symptom data can be used to separate between the different indications, and we expect to achieve high prediction accuracy.</a:t>
+              <a:t>This result </a:t>
             </a:r>
+            <a:r>
+              <a:rPr lang="en-US" sz="1600" dirty="0" smtClean="0"/>
+              <a:t>suggests that our dataset is </a:t>
+            </a:r>
+            <a:r>
+              <a:rPr lang="en-US" sz="1600" dirty="0" err="1" smtClean="0"/>
+              <a:t>overfitted</a:t>
+            </a:r>
+            <a:r>
+              <a:rPr lang="en-US" sz="1600" dirty="0" smtClean="0"/>
+              <a:t> due to the high dimensionality and samples to features ratio.</a:t>
+            </a:r>
+          </a:p>
+          <a:p>
+            <a:pPr>
+              <a:lnSpc>
+                <a:spcPct val="150000"/>
+              </a:lnSpc>
+            </a:pPr>
+            <a:endParaRPr lang="en-US" sz="1600" dirty="0"/>
           </a:p>
         </p:txBody>
       </p:sp>
@@ -51006,6 +51324,13 @@
   <p:clrMapOvr>
     <a:masterClrMapping/>
   </p:clrMapOvr>
+  <p:timing>
+    <p:tnLst>
+      <p:par>
+        <p:cTn id="1" dur="indefinite" restart="never" nodeType="tmRoot"/>
+      </p:par>
+    </p:tnLst>
+  </p:timing>
 </p:sld>
 </file>
 
@@ -51028,13 +51353,7 @@
       </p:grpSpPr>
       <p:sp>
         <p:nvSpPr>
-          <p:cNvPr id="2" name="Text Placeholder 1">
-            <a:extLst>
-              <a:ext uri="{FF2B5EF4-FFF2-40B4-BE49-F238E27FC236}">
-                <a16:creationId xmlns:a16="http://schemas.microsoft.com/office/drawing/2014/main" id="{D6144515-701C-4F84-B756-7F3DB528631B}"/>
-              </a:ext>
-            </a:extLst>
-          </p:cNvPr>
+          <p:cNvPr id="3" name="מציין מיקום טקסט 2"/>
           <p:cNvSpPr>
             <a:spLocks noGrp="1"/>
           </p:cNvSpPr>
@@ -51048,33 +51367,53 @@
           <a:lstStyle/>
           <a:p>
             <a:r>
-              <a:rPr lang="en-US" dirty="0"/>
-              <a:t>Introducing </a:t>
+              <a:rPr lang="en-US" dirty="0" smtClean="0"/>
+              <a:t>Overcoming Overfitting</a:t>
             </a:r>
-            <a:r>
-              <a:rPr lang="en-US" dirty="0" smtClean="0"/>
-              <a:t>LDA (Still under review) </a:t>
-            </a:r>
-            <a:endParaRPr lang="en-GB" dirty="0"/>
+            <a:endParaRPr lang="he-IL" dirty="0"/>
           </a:p>
         </p:txBody>
       </p:sp>
+      <p:pic>
+        <p:nvPicPr>
+          <p:cNvPr id="4" name="תמונה 3"/>
+          <p:cNvPicPr>
+            <a:picLocks noChangeAspect="1"/>
+          </p:cNvPicPr>
+          <p:nvPr/>
+        </p:nvPicPr>
+        <p:blipFill>
+          <a:blip r:embed="rId2">
+            <a:extLst>
+              <a:ext uri="{28A0092B-C50C-407E-A947-70E740481C1C}">
+                <a14:useLocalDpi xmlns:a14="http://schemas.microsoft.com/office/drawing/2010/main" val="0"/>
+              </a:ext>
+            </a:extLst>
+          </a:blip>
+          <a:stretch>
+            <a:fillRect/>
+          </a:stretch>
+        </p:blipFill>
+        <p:spPr>
+          <a:xfrm>
+            <a:off x="228594" y="3384066"/>
+            <a:ext cx="3953940" cy="2953099"/>
+          </a:xfrm>
+          <a:prstGeom prst="rect">
+            <a:avLst/>
+          </a:prstGeom>
+        </p:spPr>
+      </p:pic>
       <p:sp>
         <p:nvSpPr>
-          <p:cNvPr id="3" name="TextBox 2">
-            <a:extLst>
-              <a:ext uri="{FF2B5EF4-FFF2-40B4-BE49-F238E27FC236}">
-                <a16:creationId xmlns:a16="http://schemas.microsoft.com/office/drawing/2014/main" id="{7AC5E03B-6EFC-4205-A603-AF22D0D2C368}"/>
-              </a:ext>
-            </a:extLst>
-          </p:cNvPr>
+          <p:cNvPr id="5" name="TextBox 4"/>
           <p:cNvSpPr txBox="1"/>
           <p:nvPr/>
         </p:nvSpPr>
         <p:spPr>
           <a:xfrm>
-            <a:off x="964734" y="1249960"/>
-            <a:ext cx="10435905" cy="923330"/>
+            <a:off x="323529" y="1205345"/>
+            <a:ext cx="11688362" cy="2446824"/>
           </a:xfrm>
           <a:prstGeom prst="rect">
             <a:avLst/>
@@ -51082,41 +51421,248 @@
           <a:noFill/>
         </p:spPr>
         <p:txBody>
-          <a:bodyPr wrap="square" rtlCol="0">
+          <a:bodyPr wrap="square" rtlCol="1">
+            <a:spAutoFit/>
+          </a:bodyPr>
+          <a:lstStyle/>
+          <a:p>
+            <a:pPr>
+              <a:lnSpc>
+                <a:spcPct val="150000"/>
+              </a:lnSpc>
+            </a:pPr>
+            <a:r>
+              <a:rPr lang="en-US" dirty="0" smtClean="0"/>
+              <a:t>Since our goal is to be able to generalize self reported symptoms and those are subjective and prune to variability and errors we need to establish a way of reducing the features so that they generalize to our requirements.</a:t>
+            </a:r>
+          </a:p>
+          <a:p>
+            <a:pPr>
+              <a:lnSpc>
+                <a:spcPct val="150000"/>
+              </a:lnSpc>
+            </a:pPr>
+            <a:r>
+              <a:rPr lang="en-US" dirty="0" smtClean="0"/>
+              <a:t>In order to do so we assessed the features in 2 methods:</a:t>
+            </a:r>
+          </a:p>
+          <a:p>
+            <a:pPr marL="342900" indent="-342900">
+              <a:lnSpc>
+                <a:spcPct val="150000"/>
+              </a:lnSpc>
+              <a:buFont typeface="+mj-lt"/>
+              <a:buAutoNum type="arabicPeriod"/>
+            </a:pPr>
+            <a:r>
+              <a:rPr lang="en-US" dirty="0" smtClean="0"/>
+              <a:t>Variance of features to detect features which are related to a small subset of the diseases or non subjective</a:t>
+            </a:r>
+          </a:p>
+          <a:p>
+            <a:pPr marL="342900" indent="-342900">
+              <a:lnSpc>
+                <a:spcPct val="150000"/>
+              </a:lnSpc>
+              <a:buFont typeface="+mj-lt"/>
+              <a:buAutoNum type="arabicPeriod"/>
+            </a:pPr>
+            <a:r>
+              <a:rPr lang="en-US" dirty="0" smtClean="0"/>
+              <a:t>Correlation between features finding those who can be inferred from one another</a:t>
+            </a:r>
+          </a:p>
+          <a:p>
+            <a:pPr marL="342900" indent="-342900">
+              <a:buFont typeface="+mj-lt"/>
+              <a:buAutoNum type="arabicPeriod"/>
+            </a:pPr>
+            <a:endParaRPr lang="he-IL" dirty="0"/>
+          </a:p>
+        </p:txBody>
+      </p:sp>
+      <p:pic>
+        <p:nvPicPr>
+          <p:cNvPr id="6" name="תמונה 5"/>
+          <p:cNvPicPr>
+            <a:picLocks noChangeAspect="1"/>
+          </p:cNvPicPr>
+          <p:nvPr/>
+        </p:nvPicPr>
+        <p:blipFill rotWithShape="1">
+          <a:blip r:embed="rId3">
+            <a:extLst>
+              <a:ext uri="{28A0092B-C50C-407E-A947-70E740481C1C}">
+                <a14:useLocalDpi xmlns:a14="http://schemas.microsoft.com/office/drawing/2010/main" val="0"/>
+              </a:ext>
+            </a:extLst>
+          </a:blip>
+          <a:srcRect l="1618" t="4582" r="6002" b="4487"/>
+          <a:stretch/>
+        </p:blipFill>
+        <p:spPr>
+          <a:xfrm>
+            <a:off x="5461000" y="3384066"/>
+            <a:ext cx="2997200" cy="2937935"/>
+          </a:xfrm>
+          <a:prstGeom prst="rect">
+            <a:avLst/>
+          </a:prstGeom>
+        </p:spPr>
+      </p:pic>
+      <p:cxnSp>
+        <p:nvCxnSpPr>
+          <p:cNvPr id="8" name="מחבר חץ ישר 7"/>
+          <p:cNvCxnSpPr/>
+          <p:nvPr/>
+        </p:nvCxnSpPr>
+        <p:spPr>
+          <a:xfrm flipH="1">
+            <a:off x="1193800" y="4080933"/>
+            <a:ext cx="474133" cy="0"/>
+          </a:xfrm>
+          <a:prstGeom prst="straightConnector1">
+            <a:avLst/>
+          </a:prstGeom>
+          <a:ln>
+            <a:solidFill>
+              <a:schemeClr val="bg2">
+                <a:lumMod val="10000"/>
+              </a:schemeClr>
+            </a:solidFill>
+            <a:tailEnd type="triangle"/>
+          </a:ln>
+        </p:spPr>
+        <p:style>
+          <a:lnRef idx="1">
+            <a:schemeClr val="accent1"/>
+          </a:lnRef>
+          <a:fillRef idx="0">
+            <a:schemeClr val="accent1"/>
+          </a:fillRef>
+          <a:effectRef idx="0">
+            <a:schemeClr val="accent1"/>
+          </a:effectRef>
+          <a:fontRef idx="minor">
+            <a:schemeClr val="tx1"/>
+          </a:fontRef>
+        </p:style>
+      </p:cxnSp>
+      <p:sp>
+        <p:nvSpPr>
+          <p:cNvPr id="11" name="TextBox 10"/>
+          <p:cNvSpPr txBox="1"/>
+          <p:nvPr/>
+        </p:nvSpPr>
+        <p:spPr>
+          <a:xfrm>
+            <a:off x="1675245" y="3911656"/>
+            <a:ext cx="1769533" cy="338554"/>
+          </a:xfrm>
+          <a:prstGeom prst="rect">
+            <a:avLst/>
+          </a:prstGeom>
+          <a:noFill/>
+        </p:spPr>
+        <p:txBody>
+          <a:bodyPr wrap="square" rtlCol="1">
             <a:spAutoFit/>
           </a:bodyPr>
           <a:lstStyle/>
           <a:p>
             <a:r>
-              <a:rPr lang="en-US" dirty="0"/>
-              <a:t>Our goal is to be able to diagnose a patient by analyzing his self reported symptoms.</a:t>
+              <a:rPr lang="en-US" sz="800" dirty="0" smtClean="0"/>
+              <a:t>Features relating to approximately only one condition</a:t>
             </a:r>
+            <a:endParaRPr lang="he-IL" sz="800" dirty="0"/>
           </a:p>
+        </p:txBody>
+      </p:sp>
+      <p:cxnSp>
+        <p:nvCxnSpPr>
+          <p:cNvPr id="13" name="מחבר ישר 12"/>
+          <p:cNvCxnSpPr/>
+          <p:nvPr/>
+        </p:nvCxnSpPr>
+        <p:spPr>
+          <a:xfrm>
+            <a:off x="1984277" y="5143630"/>
+            <a:ext cx="0" cy="901565"/>
+          </a:xfrm>
+          <a:prstGeom prst="line">
+            <a:avLst/>
+          </a:prstGeom>
+          <a:ln>
+            <a:solidFill>
+              <a:schemeClr val="bg2">
+                <a:lumMod val="10000"/>
+              </a:schemeClr>
+            </a:solidFill>
+          </a:ln>
+        </p:spPr>
+        <p:style>
+          <a:lnRef idx="1">
+            <a:schemeClr val="accent1"/>
+          </a:lnRef>
+          <a:fillRef idx="0">
+            <a:schemeClr val="accent1"/>
+          </a:fillRef>
+          <a:effectRef idx="0">
+            <a:schemeClr val="accent1"/>
+          </a:effectRef>
+          <a:fontRef idx="minor">
+            <a:schemeClr val="tx1"/>
+          </a:fontRef>
+        </p:style>
+      </p:cxnSp>
+      <p:sp>
+        <p:nvSpPr>
+          <p:cNvPr id="14" name="TextBox 13"/>
+          <p:cNvSpPr txBox="1"/>
+          <p:nvPr/>
+        </p:nvSpPr>
+        <p:spPr>
+          <a:xfrm>
+            <a:off x="1574801" y="4945120"/>
+            <a:ext cx="889000" cy="215444"/>
+          </a:xfrm>
+          <a:prstGeom prst="rect">
+            <a:avLst/>
+          </a:prstGeom>
+          <a:noFill/>
+        </p:spPr>
+        <p:txBody>
+          <a:bodyPr wrap="square" rtlCol="1">
+            <a:spAutoFit/>
+          </a:bodyPr>
+          <a:lstStyle/>
           <a:p>
             <a:r>
-              <a:rPr lang="en-US" dirty="0"/>
-              <a:t>For that we will be using LDA topic modeling in order to process a patients reporting into topics.</a:t>
+              <a:rPr lang="en-US" sz="800" dirty="0" smtClean="0"/>
+              <a:t>Selected Cutoff</a:t>
             </a:r>
-          </a:p>
-          <a:p>
-            <a:r>
-              <a:rPr lang="en-US" dirty="0"/>
-              <a:t>This will allow us to explore similarities between the different diseases and </a:t>
-            </a:r>
-            <a:endParaRPr lang="en-GB" dirty="0"/>
+            <a:endParaRPr lang="he-IL" sz="800" dirty="0"/>
           </a:p>
         </p:txBody>
       </p:sp>
     </p:spTree>
     <p:extLst>
       <p:ext uri="{BB962C8B-B14F-4D97-AF65-F5344CB8AC3E}">
-        <p14:creationId xmlns:p14="http://schemas.microsoft.com/office/powerpoint/2010/main" val="1426799054"/>
+        <p14:creationId xmlns:p14="http://schemas.microsoft.com/office/powerpoint/2010/main" val="880678264"/>
       </p:ext>
     </p:extLst>
   </p:cSld>
   <p:clrMapOvr>
     <a:masterClrMapping/>
   </p:clrMapOvr>
+  <p:timing>
+    <p:tnLst>
+      <p:par>
+        <p:cTn id="1" dur="indefinite" restart="never" nodeType="tmRoot"/>
+      </p:par>
+    </p:tnLst>
+  </p:timing>
 </p:sld>
 </file>
 

--- a/final.pptx
+++ b/final.pptx
@@ -17,6 +17,7 @@
     <p:sldId id="267" r:id="rId11"/>
     <p:sldId id="268" r:id="rId12"/>
     <p:sldId id="266" r:id="rId13"/>
+    <p:sldId id="269" r:id="rId14"/>
   </p:sldIdLst>
   <p:sldSz cx="12192000" cy="6858000"/>
   <p:notesSz cx="6858000" cy="9144000"/>
@@ -20565,11 +20566,11 @@
           <a:lstStyle/>
           <a:p>
             <a:r>
-              <a:rPr lang="en-US" dirty="0" err="1" smtClean="0"/>
+              <a:rPr lang="en-US" dirty="0" err="1"/>
               <a:t>tSNE</a:t>
             </a:r>
             <a:r>
-              <a:rPr lang="en-US" dirty="0" smtClean="0"/>
+              <a:rPr lang="en-US" dirty="0"/>
               <a:t> on the reduced dataset</a:t>
             </a:r>
             <a:endParaRPr lang="he-IL" dirty="0"/>
@@ -20644,7 +20645,7 @@
               <a:buChar char="•"/>
             </a:pPr>
             <a:r>
-              <a:rPr lang="en-US" sz="1600" dirty="0" smtClean="0"/>
+              <a:rPr lang="en-US" sz="1600" dirty="0"/>
               <a:t>Dataset was reduced to 30 features and we can see that the data now is less obviously separated</a:t>
             </a:r>
           </a:p>
@@ -20667,7 +20668,7 @@
               <a:buChar char="•"/>
             </a:pPr>
             <a:r>
-              <a:rPr lang="en-US" sz="1600" dirty="0" smtClean="0"/>
+              <a:rPr lang="en-US" sz="1600" dirty="0"/>
               <a:t>There are some nice clusters around Liver diseases (Hepatitis, Chronic cholestasis and Jaundice)</a:t>
             </a:r>
           </a:p>
@@ -20734,11 +20735,7 @@
           <a:p>
             <a:r>
               <a:rPr lang="en-US" dirty="0"/>
-              <a:t>Introducing </a:t>
-            </a:r>
-            <a:r>
-              <a:rPr lang="en-US" dirty="0" smtClean="0"/>
-              <a:t>LDA (Still under review) </a:t>
+              <a:t>Introducing LDA (Still under review) </a:t>
             </a:r>
             <a:endParaRPr lang="en-GB" dirty="0"/>
           </a:p>
@@ -20802,13 +20799,208 @@
   <p:clrMapOvr>
     <a:masterClrMapping/>
   </p:clrMapOvr>
-  <p:timing>
-    <p:tnLst>
-      <p:par>
-        <p:cTn id="1" dur="indefinite" restart="never" nodeType="tmRoot"/>
-      </p:par>
-    </p:tnLst>
-  </p:timing>
+</p:sld>
+</file>
+
+<file path=ppt/slides/slide12.xml><?xml version="1.0" encoding="utf-8"?>
+<p:sld xmlns:a="http://schemas.openxmlformats.org/drawingml/2006/main" xmlns:r="http://schemas.openxmlformats.org/officeDocument/2006/relationships" xmlns:p="http://schemas.openxmlformats.org/presentationml/2006/main">
+  <p:cSld>
+    <p:spTree>
+      <p:nvGrpSpPr>
+        <p:cNvPr id="1" name=""/>
+        <p:cNvGrpSpPr/>
+        <p:nvPr/>
+      </p:nvGrpSpPr>
+      <p:grpSpPr>
+        <a:xfrm>
+          <a:off x="0" y="0"/>
+          <a:ext cx="0" cy="0"/>
+          <a:chOff x="0" y="0"/>
+          <a:chExt cx="0" cy="0"/>
+        </a:xfrm>
+      </p:grpSpPr>
+      <p:sp>
+        <p:nvSpPr>
+          <p:cNvPr id="2" name="מציין מיקום טקסט 1">
+            <a:extLst>
+              <a:ext uri="{FF2B5EF4-FFF2-40B4-BE49-F238E27FC236}">
+                <a16:creationId xmlns:a16="http://schemas.microsoft.com/office/drawing/2014/main" id="{5B8D8628-FF11-471F-A7CE-BD56142E3554}"/>
+              </a:ext>
+            </a:extLst>
+          </p:cNvPr>
+          <p:cNvSpPr>
+            <a:spLocks noGrp="1"/>
+          </p:cNvSpPr>
+          <p:nvPr>
+            <p:ph type="body" sz="quarter" idx="10"/>
+          </p:nvPr>
+        </p:nvSpPr>
+        <p:spPr/>
+        <p:txBody>
+          <a:bodyPr/>
+          <a:lstStyle/>
+          <a:p>
+            <a:r>
+              <a:rPr lang="en-US" dirty="0"/>
+              <a:t>KNN</a:t>
+            </a:r>
+            <a:endParaRPr lang="he-IL" dirty="0"/>
+          </a:p>
+        </p:txBody>
+      </p:sp>
+      <p:sp>
+        <p:nvSpPr>
+          <p:cNvPr id="4" name="TextBox 5">
+            <a:extLst>
+              <a:ext uri="{FF2B5EF4-FFF2-40B4-BE49-F238E27FC236}">
+                <a16:creationId xmlns:a16="http://schemas.microsoft.com/office/drawing/2014/main" id="{E4BD162E-566B-44AE-B8B0-85366A8E91BF}"/>
+              </a:ext>
+            </a:extLst>
+          </p:cNvPr>
+          <p:cNvSpPr txBox="1"/>
+          <p:nvPr/>
+        </p:nvSpPr>
+        <p:spPr>
+          <a:xfrm>
+            <a:off x="535842" y="1340967"/>
+            <a:ext cx="5732435" cy="3986219"/>
+          </a:xfrm>
+          <a:prstGeom prst="rect">
+            <a:avLst/>
+          </a:prstGeom>
+          <a:noFill/>
+        </p:spPr>
+        <p:txBody>
+          <a:bodyPr wrap="square" rtlCol="0">
+            <a:spAutoFit/>
+          </a:bodyPr>
+          <a:lstStyle/>
+          <a:p>
+            <a:endParaRPr lang="en-US" sz="1600" dirty="0"/>
+          </a:p>
+          <a:p>
+            <a:pPr>
+              <a:lnSpc>
+                <a:spcPct val="150000"/>
+              </a:lnSpc>
+            </a:pPr>
+            <a:r>
+              <a:rPr lang="en-US" sz="1600" dirty="0"/>
+              <a:t>For the beginning, we decided to run the simplest classification algorithms - KNN.</a:t>
+            </a:r>
+          </a:p>
+          <a:p>
+            <a:pPr marL="285750" indent="-285750">
+              <a:lnSpc>
+                <a:spcPct val="150000"/>
+              </a:lnSpc>
+              <a:buFont typeface="Arial" panose="020B0604020202020204" pitchFamily="34" charset="0"/>
+              <a:buChar char="•"/>
+            </a:pPr>
+            <a:r>
+              <a:rPr lang="en-US" sz="1600" dirty="0"/>
+              <a:t>First – we run KNN on the Data before we dropped irrelevant features, the score was 1.</a:t>
+            </a:r>
+          </a:p>
+          <a:p>
+            <a:pPr>
+              <a:lnSpc>
+                <a:spcPct val="150000"/>
+              </a:lnSpc>
+            </a:pPr>
+            <a:r>
+              <a:rPr lang="en-US" sz="1600" dirty="0"/>
+              <a:t>    In one hand the result is good but data was not so difficult.</a:t>
+            </a:r>
+          </a:p>
+          <a:p>
+            <a:pPr>
+              <a:lnSpc>
+                <a:spcPct val="150000"/>
+              </a:lnSpc>
+            </a:pPr>
+            <a:endParaRPr lang="en-US" sz="1600" dirty="0"/>
+          </a:p>
+          <a:p>
+            <a:pPr marL="285750" indent="-285750">
+              <a:lnSpc>
+                <a:spcPct val="150000"/>
+              </a:lnSpc>
+              <a:buFont typeface="Arial" panose="020B0604020202020204" pitchFamily="34" charset="0"/>
+              <a:buChar char="•"/>
+            </a:pPr>
+            <a:r>
+              <a:rPr lang="en-US" sz="1600" dirty="0"/>
+              <a:t>So we dropped some features, and we run the KNN again and the result is shown in </a:t>
+            </a:r>
+            <a:r>
+              <a:rPr lang="en-US" sz="1600"/>
+              <a:t>the chart</a:t>
+            </a:r>
+          </a:p>
+          <a:p>
+            <a:pPr>
+              <a:lnSpc>
+                <a:spcPct val="150000"/>
+              </a:lnSpc>
+            </a:pPr>
+            <a:endParaRPr lang="en-US" sz="1600" dirty="0"/>
+          </a:p>
+          <a:p>
+            <a:pPr marL="285750" indent="-285750">
+              <a:lnSpc>
+                <a:spcPct val="150000"/>
+              </a:lnSpc>
+              <a:buFont typeface="Arial" panose="020B0604020202020204" pitchFamily="34" charset="0"/>
+              <a:buChar char="•"/>
+            </a:pPr>
+            <a:r>
+              <a:rPr lang="en-US" sz="1600" dirty="0"/>
+              <a:t>We split the data to 70% train and 30% test.</a:t>
+            </a:r>
+          </a:p>
+        </p:txBody>
+      </p:sp>
+      <p:pic>
+        <p:nvPicPr>
+          <p:cNvPr id="5" name="תמונה 4">
+            <a:extLst>
+              <a:ext uri="{FF2B5EF4-FFF2-40B4-BE49-F238E27FC236}">
+                <a16:creationId xmlns:a16="http://schemas.microsoft.com/office/drawing/2014/main" id="{1D387796-4335-4CF1-B237-28834C2F29F4}"/>
+              </a:ext>
+            </a:extLst>
+          </p:cNvPr>
+          <p:cNvPicPr>
+            <a:picLocks noChangeAspect="1"/>
+          </p:cNvPicPr>
+          <p:nvPr/>
+        </p:nvPicPr>
+        <p:blipFill>
+          <a:blip r:embed="rId2"/>
+          <a:stretch>
+            <a:fillRect/>
+          </a:stretch>
+        </p:blipFill>
+        <p:spPr>
+          <a:xfrm>
+            <a:off x="6765234" y="1491284"/>
+            <a:ext cx="4572000" cy="3371850"/>
+          </a:xfrm>
+          <a:prstGeom prst="rect">
+            <a:avLst/>
+          </a:prstGeom>
+        </p:spPr>
+      </p:pic>
+    </p:spTree>
+    <p:extLst>
+      <p:ext uri="{BB962C8B-B14F-4D97-AF65-F5344CB8AC3E}">
+        <p14:creationId xmlns:p14="http://schemas.microsoft.com/office/powerpoint/2010/main" val="3909972602"/>
+      </p:ext>
+    </p:extLst>
+  </p:cSld>
+  <p:clrMapOvr>
+    <a:masterClrMapping/>
+  </p:clrMapOvr>
 </p:sld>
 </file>
 
@@ -21026,14 +21218,6 @@
           </a:p>
           <a:p>
             <a:pPr algn="l"/>
-            <a:r>
-              <a:rPr lang="en-US" dirty="0">
-                <a:solidFill>
-                  <a:schemeClr val="bg1"/>
-                </a:solidFill>
-              </a:rPr>
-              <a:t/>
-            </a:r>
             <a:br>
               <a:rPr lang="en-US" dirty="0">
                 <a:solidFill>
@@ -50820,16 +51004,6 @@
                 </a:rPr>
                 <a:t>Liver Diseases:</a:t>
               </a:r>
-              <a:r>
-                <a:rPr lang="en-US" sz="1050" dirty="0">
-                  <a:solidFill>
-                    <a:schemeClr val="accent3">
-                      <a:lumMod val="50000"/>
-                    </a:schemeClr>
-                  </a:solidFill>
-                </a:rPr>
-                <a:t/>
-              </a:r>
               <a:br>
                 <a:rPr lang="en-US" sz="1050" dirty="0">
                   <a:solidFill>
@@ -51209,15 +51383,7 @@
             </a:pPr>
             <a:r>
               <a:rPr lang="en-US" sz="1600" dirty="0"/>
-              <a:t>t-SNE reduction to 2 components yields </a:t>
-            </a:r>
-            <a:r>
-              <a:rPr lang="en-US" sz="1600" dirty="0" smtClean="0"/>
-              <a:t>perfect results </a:t>
-            </a:r>
-            <a:r>
-              <a:rPr lang="en-US" sz="1600" dirty="0"/>
-              <a:t>with </a:t>
+              <a:t>t-SNE reduction to 2 components yields perfect results with </a:t>
             </a:r>
             <a:r>
               <a:rPr lang="en-US" sz="1600" dirty="0" err="1"/>
@@ -51225,15 +51391,7 @@
             </a:r>
             <a:r>
               <a:rPr lang="en-US" sz="1600" dirty="0"/>
-              <a:t> </a:t>
-            </a:r>
-            <a:r>
-              <a:rPr lang="en-US" sz="1600" dirty="0" smtClean="0"/>
-              <a:t>separation between </a:t>
-            </a:r>
-            <a:r>
-              <a:rPr lang="en-US" sz="1600" dirty="0"/>
-              <a:t>the different indications</a:t>
+              <a:t> separation between the different indications</a:t>
             </a:r>
           </a:p>
           <a:p>
@@ -51254,18 +51412,14 @@
             </a:pPr>
             <a:r>
               <a:rPr lang="en-US" sz="1600" dirty="0"/>
-              <a:t>This result </a:t>
+              <a:t>This result suggests that our dataset is </a:t>
             </a:r>
             <a:r>
-              <a:rPr lang="en-US" sz="1600" dirty="0" smtClean="0"/>
-              <a:t>suggests that our dataset is </a:t>
-            </a:r>
-            <a:r>
-              <a:rPr lang="en-US" sz="1600" dirty="0" err="1" smtClean="0"/>
+              <a:rPr lang="en-US" sz="1600" dirty="0" err="1"/>
               <a:t>overfitted</a:t>
             </a:r>
             <a:r>
-              <a:rPr lang="en-US" sz="1600" dirty="0" smtClean="0"/>
+              <a:rPr lang="en-US" sz="1600" dirty="0"/>
               <a:t> due to the high dimensionality and samples to features ratio.</a:t>
             </a:r>
           </a:p>
@@ -51324,13 +51478,6 @@
   <p:clrMapOvr>
     <a:masterClrMapping/>
   </p:clrMapOvr>
-  <p:timing>
-    <p:tnLst>
-      <p:par>
-        <p:cTn id="1" dur="indefinite" restart="never" nodeType="tmRoot"/>
-      </p:par>
-    </p:tnLst>
-  </p:timing>
 </p:sld>
 </file>
 
@@ -51367,7 +51514,7 @@
           <a:lstStyle/>
           <a:p>
             <a:r>
-              <a:rPr lang="en-US" dirty="0" smtClean="0"/>
+              <a:rPr lang="en-US" dirty="0"/>
               <a:t>Overcoming Overfitting</a:t>
             </a:r>
             <a:endParaRPr lang="he-IL" dirty="0"/>
@@ -51432,7 +51579,7 @@
               </a:lnSpc>
             </a:pPr>
             <a:r>
-              <a:rPr lang="en-US" dirty="0" smtClean="0"/>
+              <a:rPr lang="en-US" dirty="0"/>
               <a:t>Since our goal is to be able to generalize self reported symptoms and those are subjective and prune to variability and errors we need to establish a way of reducing the features so that they generalize to our requirements.</a:t>
             </a:r>
           </a:p>
@@ -51443,7 +51590,7 @@
               </a:lnSpc>
             </a:pPr>
             <a:r>
-              <a:rPr lang="en-US" dirty="0" smtClean="0"/>
+              <a:rPr lang="en-US" dirty="0"/>
               <a:t>In order to do so we assessed the features in 2 methods:</a:t>
             </a:r>
           </a:p>
@@ -51456,7 +51603,7 @@
               <a:buAutoNum type="arabicPeriod"/>
             </a:pPr>
             <a:r>
-              <a:rPr lang="en-US" dirty="0" smtClean="0"/>
+              <a:rPr lang="en-US" dirty="0"/>
               <a:t>Variance of features to detect features which are related to a small subset of the diseases or non subjective</a:t>
             </a:r>
           </a:p>
@@ -51469,7 +51616,7 @@
               <a:buAutoNum type="arabicPeriod"/>
             </a:pPr>
             <a:r>
-              <a:rPr lang="en-US" dirty="0" smtClean="0"/>
+              <a:rPr lang="en-US" dirty="0"/>
               <a:t>Correlation between features finding those who can be inferred from one another</a:t>
             </a:r>
           </a:p>
@@ -51572,7 +51719,7 @@
           <a:lstStyle/>
           <a:p>
             <a:r>
-              <a:rPr lang="en-US" sz="800" dirty="0" smtClean="0"/>
+              <a:rPr lang="en-US" sz="800" dirty="0"/>
               <a:t>Features relating to approximately only one condition</a:t>
             </a:r>
             <a:endParaRPr lang="he-IL" sz="800" dirty="0"/>
@@ -51639,7 +51786,7 @@
           <a:lstStyle/>
           <a:p>
             <a:r>
-              <a:rPr lang="en-US" sz="800" dirty="0" smtClean="0"/>
+              <a:rPr lang="en-US" sz="800" dirty="0"/>
               <a:t>Selected Cutoff</a:t>
             </a:r>
             <a:endParaRPr lang="he-IL" sz="800" dirty="0"/>
@@ -51656,13 +51803,6 @@
   <p:clrMapOvr>
     <a:masterClrMapping/>
   </p:clrMapOvr>
-  <p:timing>
-    <p:tnLst>
-      <p:par>
-        <p:cTn id="1" dur="indefinite" restart="never" nodeType="tmRoot"/>
-      </p:par>
-    </p:tnLst>
-  </p:timing>
 </p:sld>
 </file>
 
